--- a/Computer Science Discoveries/Projects/Project 2/Project 2 Rubrics.pptx
+++ b/Computer Science Discoveries/Projects/Project 2/Project 2 Rubrics.pptx
@@ -3286,7 +3286,7 @@
                       </a:pPr>
                       <a:r>
                         <a:rPr lang="en-US"/>
-                        <a:t>2: Project is one of the above components</a:t>
+                        <a:t>2: Project is missing one of the above components</a:t>
                       </a:r>
                       <a:endParaRPr lang="en-US"/>
                     </a:p>
